--- a/docs/Spark概述_星赟(徐波).pptx
+++ b/docs/Spark概述_星赟(徐波).pptx
@@ -3036,6 +3036,376 @@
       <dsp:cNvGrpSpPr/>
     </dsp:nvGrpSpPr>
     <dsp:grpSpPr/>
+    <dsp:sp modelId="{A9A7D398-6FA7-D347-B0EA-7634C14D0889}">
+      <dsp:nvSpPr>
+        <dsp:cNvPr id="0" name=""/>
+        <dsp:cNvSpPr/>
+      </dsp:nvSpPr>
+      <dsp:spPr>
+        <a:xfrm>
+          <a:off x="670" y="0"/>
+          <a:ext cx="1186470" cy="917221"/>
+        </a:xfrm>
+        <a:prstGeom prst="roundRect">
+          <a:avLst>
+            <a:gd name="adj" fmla="val 10000"/>
+          </a:avLst>
+        </a:prstGeom>
+        <a:solidFill>
+          <a:schemeClr val="accent1"/>
+        </a:solidFill>
+        <a:ln w="12700" cap="flat" cmpd="sng" algn="ctr">
+          <a:solidFill>
+            <a:schemeClr val="accent1">
+              <a:shade val="50000"/>
+            </a:schemeClr>
+          </a:solidFill>
+          <a:prstDash val="solid"/>
+          <a:miter lim="800000"/>
+        </a:ln>
+        <a:effectLst/>
+      </dsp:spPr>
+      <dsp:style>
+        <a:lnRef idx="2">
+          <a:schemeClr val="accent1">
+            <a:shade val="50000"/>
+          </a:schemeClr>
+        </a:lnRef>
+        <a:fillRef idx="1">
+          <a:schemeClr val="accent1"/>
+        </a:fillRef>
+        <a:effectRef idx="0">
+          <a:schemeClr val="accent1"/>
+        </a:effectRef>
+        <a:fontRef idx="minor">
+          <a:schemeClr val="lt1"/>
+        </a:fontRef>
+      </dsp:style>
+      <dsp:txBody>
+        <a:bodyPr spcFirstLastPara="0" vert="horz" wrap="square" lIns="60960" tIns="60960" rIns="60960" bIns="60960" numCol="1" spcCol="1270" anchor="ctr" anchorCtr="0">
+          <a:noAutofit/>
+        </a:bodyPr>
+        <a:lstStyle/>
+        <a:p>
+          <a:pPr lvl="0" algn="ctr" defTabSz="711200">
+            <a:lnSpc>
+              <a:spcPct val="90000"/>
+            </a:lnSpc>
+            <a:spcBef>
+              <a:spcPct val="0"/>
+            </a:spcBef>
+            <a:spcAft>
+              <a:spcPct val="35000"/>
+            </a:spcAft>
+          </a:pPr>
+          <a:r>
+            <a:rPr lang="en-US" altLang="zh-CN" sz="1600" kern="1200" dirty="0" smtClean="0"/>
+            <a:t>ML Dataset</a:t>
+          </a:r>
+          <a:endParaRPr lang="zh-CN" altLang="en-US" sz="1600" kern="1200" dirty="0"/>
+        </a:p>
+      </dsp:txBody>
+      <dsp:txXfrm>
+        <a:off x="27534" y="26864"/>
+        <a:ext cx="1132742" cy="863493"/>
+      </dsp:txXfrm>
+    </dsp:sp>
+    <dsp:sp modelId="{D82F3CB0-7BEF-8848-9B84-ABA4657CF8E9}">
+      <dsp:nvSpPr>
+        <dsp:cNvPr id="0" name=""/>
+        <dsp:cNvSpPr/>
+      </dsp:nvSpPr>
+      <dsp:spPr>
+        <a:xfrm>
+          <a:off x="1386467" y="0"/>
+          <a:ext cx="1186470" cy="917221"/>
+        </a:xfrm>
+        <a:prstGeom prst="roundRect">
+          <a:avLst>
+            <a:gd name="adj" fmla="val 10000"/>
+          </a:avLst>
+        </a:prstGeom>
+        <a:solidFill>
+          <a:schemeClr val="accent1"/>
+        </a:solidFill>
+        <a:ln w="12700" cap="flat" cmpd="sng" algn="ctr">
+          <a:solidFill>
+            <a:schemeClr val="accent1">
+              <a:shade val="50000"/>
+            </a:schemeClr>
+          </a:solidFill>
+          <a:prstDash val="solid"/>
+          <a:miter lim="800000"/>
+        </a:ln>
+        <a:effectLst/>
+      </dsp:spPr>
+      <dsp:style>
+        <a:lnRef idx="2">
+          <a:schemeClr val="accent1">
+            <a:shade val="50000"/>
+          </a:schemeClr>
+        </a:lnRef>
+        <a:fillRef idx="1">
+          <a:schemeClr val="accent1"/>
+        </a:fillRef>
+        <a:effectRef idx="0">
+          <a:schemeClr val="accent1"/>
+        </a:effectRef>
+        <a:fontRef idx="minor">
+          <a:schemeClr val="lt1"/>
+        </a:fontRef>
+      </dsp:style>
+      <dsp:txBody>
+        <a:bodyPr spcFirstLastPara="0" vert="horz" wrap="square" lIns="60960" tIns="60960" rIns="60960" bIns="60960" numCol="1" spcCol="1270" anchor="ctr" anchorCtr="0">
+          <a:noAutofit/>
+        </a:bodyPr>
+        <a:lstStyle/>
+        <a:p>
+          <a:pPr lvl="0" algn="ctr" defTabSz="711200">
+            <a:lnSpc>
+              <a:spcPct val="90000"/>
+            </a:lnSpc>
+            <a:spcBef>
+              <a:spcPct val="0"/>
+            </a:spcBef>
+            <a:spcAft>
+              <a:spcPct val="35000"/>
+            </a:spcAft>
+          </a:pPr>
+          <a:r>
+            <a:rPr lang="en-US" altLang="zh-CN" sz="1600" kern="1200" dirty="0" smtClean="0"/>
+            <a:t>Transformer</a:t>
+          </a:r>
+          <a:endParaRPr lang="zh-CN" altLang="en-US" sz="1600" kern="1200" dirty="0"/>
+        </a:p>
+      </dsp:txBody>
+      <dsp:txXfrm>
+        <a:off x="1413331" y="26864"/>
+        <a:ext cx="1132742" cy="863493"/>
+      </dsp:txXfrm>
+    </dsp:sp>
+    <dsp:sp modelId="{DF3EA9E6-4385-F74D-8D12-8F282BE1E758}">
+      <dsp:nvSpPr>
+        <dsp:cNvPr id="0" name=""/>
+        <dsp:cNvSpPr/>
+      </dsp:nvSpPr>
+      <dsp:spPr>
+        <a:xfrm>
+          <a:off x="2772264" y="0"/>
+          <a:ext cx="1186470" cy="917221"/>
+        </a:xfrm>
+        <a:prstGeom prst="roundRect">
+          <a:avLst>
+            <a:gd name="adj" fmla="val 10000"/>
+          </a:avLst>
+        </a:prstGeom>
+        <a:solidFill>
+          <a:schemeClr val="accent1"/>
+        </a:solidFill>
+        <a:ln w="12700" cap="flat" cmpd="sng" algn="ctr">
+          <a:solidFill>
+            <a:schemeClr val="accent1">
+              <a:shade val="50000"/>
+            </a:schemeClr>
+          </a:solidFill>
+          <a:prstDash val="solid"/>
+          <a:miter lim="800000"/>
+        </a:ln>
+        <a:effectLst/>
+      </dsp:spPr>
+      <dsp:style>
+        <a:lnRef idx="2">
+          <a:schemeClr val="accent1">
+            <a:shade val="50000"/>
+          </a:schemeClr>
+        </a:lnRef>
+        <a:fillRef idx="1">
+          <a:schemeClr val="accent1"/>
+        </a:fillRef>
+        <a:effectRef idx="0">
+          <a:schemeClr val="accent1"/>
+        </a:effectRef>
+        <a:fontRef idx="minor">
+          <a:schemeClr val="lt1"/>
+        </a:fontRef>
+      </dsp:style>
+      <dsp:txBody>
+        <a:bodyPr spcFirstLastPara="0" vert="horz" wrap="square" lIns="60960" tIns="60960" rIns="60960" bIns="60960" numCol="1" spcCol="1270" anchor="ctr" anchorCtr="0">
+          <a:noAutofit/>
+        </a:bodyPr>
+        <a:lstStyle/>
+        <a:p>
+          <a:pPr lvl="0" algn="ctr" defTabSz="711200">
+            <a:lnSpc>
+              <a:spcPct val="90000"/>
+            </a:lnSpc>
+            <a:spcBef>
+              <a:spcPct val="0"/>
+            </a:spcBef>
+            <a:spcAft>
+              <a:spcPct val="35000"/>
+            </a:spcAft>
+          </a:pPr>
+          <a:r>
+            <a:rPr lang="en-US" altLang="zh-CN" sz="1600" kern="1200" dirty="0" smtClean="0"/>
+            <a:t>Estimator</a:t>
+          </a:r>
+          <a:endParaRPr lang="zh-CN" altLang="en-US" sz="1600" kern="1200" dirty="0"/>
+        </a:p>
+      </dsp:txBody>
+      <dsp:txXfrm>
+        <a:off x="2799128" y="26864"/>
+        <a:ext cx="1132742" cy="863493"/>
+      </dsp:txXfrm>
+    </dsp:sp>
+    <dsp:sp modelId="{8ACA9933-780E-4348-9196-C3C1EAEEF879}">
+      <dsp:nvSpPr>
+        <dsp:cNvPr id="0" name=""/>
+        <dsp:cNvSpPr/>
+      </dsp:nvSpPr>
+      <dsp:spPr>
+        <a:xfrm>
+          <a:off x="4158062" y="0"/>
+          <a:ext cx="1186470" cy="917221"/>
+        </a:xfrm>
+        <a:prstGeom prst="roundRect">
+          <a:avLst>
+            <a:gd name="adj" fmla="val 10000"/>
+          </a:avLst>
+        </a:prstGeom>
+        <a:solidFill>
+          <a:schemeClr val="accent1"/>
+        </a:solidFill>
+        <a:ln w="12700" cap="flat" cmpd="sng" algn="ctr">
+          <a:solidFill>
+            <a:schemeClr val="accent1">
+              <a:shade val="50000"/>
+            </a:schemeClr>
+          </a:solidFill>
+          <a:prstDash val="solid"/>
+          <a:miter lim="800000"/>
+        </a:ln>
+        <a:effectLst/>
+      </dsp:spPr>
+      <dsp:style>
+        <a:lnRef idx="2">
+          <a:schemeClr val="accent1">
+            <a:shade val="50000"/>
+          </a:schemeClr>
+        </a:lnRef>
+        <a:fillRef idx="1">
+          <a:schemeClr val="accent1"/>
+        </a:fillRef>
+        <a:effectRef idx="0">
+          <a:schemeClr val="accent1"/>
+        </a:effectRef>
+        <a:fontRef idx="minor">
+          <a:schemeClr val="lt1"/>
+        </a:fontRef>
+      </dsp:style>
+      <dsp:txBody>
+        <a:bodyPr spcFirstLastPara="0" vert="horz" wrap="square" lIns="60960" tIns="60960" rIns="60960" bIns="60960" numCol="1" spcCol="1270" anchor="ctr" anchorCtr="0">
+          <a:noAutofit/>
+        </a:bodyPr>
+        <a:lstStyle/>
+        <a:p>
+          <a:pPr lvl="0" algn="ctr" defTabSz="711200">
+            <a:lnSpc>
+              <a:spcPct val="90000"/>
+            </a:lnSpc>
+            <a:spcBef>
+              <a:spcPct val="0"/>
+            </a:spcBef>
+            <a:spcAft>
+              <a:spcPct val="35000"/>
+            </a:spcAft>
+          </a:pPr>
+          <a:r>
+            <a:rPr lang="en-US" altLang="zh-CN" sz="1600" kern="1200" dirty="0" smtClean="0"/>
+            <a:t>Pipeline</a:t>
+          </a:r>
+          <a:endParaRPr lang="zh-CN" altLang="en-US" sz="1600" kern="1200" dirty="0"/>
+        </a:p>
+      </dsp:txBody>
+      <dsp:txXfrm>
+        <a:off x="4184926" y="26864"/>
+        <a:ext cx="1132742" cy="863493"/>
+      </dsp:txXfrm>
+    </dsp:sp>
+    <dsp:sp modelId="{9F8C42F9-EF4D-F04C-8FF9-EE587206B221}">
+      <dsp:nvSpPr>
+        <dsp:cNvPr id="0" name=""/>
+        <dsp:cNvSpPr/>
+      </dsp:nvSpPr>
+      <dsp:spPr>
+        <a:xfrm>
+          <a:off x="5543859" y="0"/>
+          <a:ext cx="1186470" cy="917221"/>
+        </a:xfrm>
+        <a:prstGeom prst="roundRect">
+          <a:avLst>
+            <a:gd name="adj" fmla="val 10000"/>
+          </a:avLst>
+        </a:prstGeom>
+        <a:solidFill>
+          <a:schemeClr val="accent1"/>
+        </a:solidFill>
+        <a:ln w="12700" cap="flat" cmpd="sng" algn="ctr">
+          <a:solidFill>
+            <a:schemeClr val="accent1">
+              <a:shade val="50000"/>
+            </a:schemeClr>
+          </a:solidFill>
+          <a:prstDash val="solid"/>
+          <a:miter lim="800000"/>
+        </a:ln>
+        <a:effectLst/>
+      </dsp:spPr>
+      <dsp:style>
+        <a:lnRef idx="2">
+          <a:schemeClr val="accent1">
+            <a:shade val="50000"/>
+          </a:schemeClr>
+        </a:lnRef>
+        <a:fillRef idx="1">
+          <a:schemeClr val="accent1"/>
+        </a:fillRef>
+        <a:effectRef idx="0">
+          <a:schemeClr val="accent1"/>
+        </a:effectRef>
+        <a:fontRef idx="minor">
+          <a:schemeClr val="lt1"/>
+        </a:fontRef>
+      </dsp:style>
+      <dsp:txBody>
+        <a:bodyPr spcFirstLastPara="0" vert="horz" wrap="square" lIns="60960" tIns="60960" rIns="60960" bIns="60960" numCol="1" spcCol="1270" anchor="ctr" anchorCtr="0">
+          <a:noAutofit/>
+        </a:bodyPr>
+        <a:lstStyle/>
+        <a:p>
+          <a:pPr lvl="0" algn="ctr" defTabSz="711200">
+            <a:lnSpc>
+              <a:spcPct val="90000"/>
+            </a:lnSpc>
+            <a:spcBef>
+              <a:spcPct val="0"/>
+            </a:spcBef>
+            <a:spcAft>
+              <a:spcPct val="35000"/>
+            </a:spcAft>
+          </a:pPr>
+          <a:r>
+            <a:rPr lang="en-US" altLang="zh-CN" sz="1600" kern="1200" dirty="0" err="1" smtClean="0"/>
+            <a:t>Param</a:t>
+          </a:r>
+          <a:endParaRPr lang="zh-CN" altLang="en-US" sz="1600" kern="1200" dirty="0"/>
+        </a:p>
+      </dsp:txBody>
+      <dsp:txXfrm>
+        <a:off x="5570723" y="26864"/>
+        <a:ext cx="1132742" cy="863493"/>
+      </dsp:txXfrm>
+    </dsp:sp>
   </dsp:spTree>
 </dsp:drawing>
 </file>
@@ -26051,18 +26421,18 @@
               <a:buAutoNum type="ea1JpnChsDbPeriod"/>
             </a:pPr>
             <a:r>
-              <a:rPr lang="zh-CN" altLang="en-US" dirty="0"/>
+              <a:rPr lang="zh-CN" altLang="en-US" b="1" dirty="0"/>
               <a:t>为什么会出现</a:t>
             </a:r>
             <a:r>
-              <a:rPr lang="en-US" altLang="zh-CN" dirty="0"/>
+              <a:rPr lang="en-US" altLang="zh-CN" b="1" dirty="0"/>
               <a:t>Spark</a:t>
             </a:r>
             <a:r>
-              <a:rPr lang="zh-CN" altLang="en-US" dirty="0" smtClean="0"/>
+              <a:rPr lang="zh-CN" altLang="en-US" b="1" dirty="0" smtClean="0"/>
               <a:t>？</a:t>
             </a:r>
-            <a:endParaRPr lang="en-US" altLang="zh-CN" dirty="0" smtClean="0"/>
+            <a:endParaRPr lang="en-US" altLang="zh-CN" b="1" dirty="0" smtClean="0"/>
           </a:p>
           <a:p>
             <a:pPr marL="571500" indent="-571500">
@@ -26070,18 +26440,18 @@
               <a:buAutoNum type="ea1JpnChsDbPeriod"/>
             </a:pPr>
             <a:r>
-              <a:rPr lang="en-US" altLang="zh-CN" dirty="0"/>
+              <a:rPr lang="en-US" altLang="zh-CN" b="1" dirty="0"/>
               <a:t>Spark</a:t>
             </a:r>
             <a:r>
-              <a:rPr lang="zh-CN" altLang="en-US" dirty="0"/>
+              <a:rPr lang="zh-CN" altLang="en-US" b="1" dirty="0"/>
               <a:t>是什么</a:t>
             </a:r>
             <a:r>
-              <a:rPr lang="zh-CN" altLang="en-US" dirty="0" smtClean="0"/>
+              <a:rPr lang="zh-CN" altLang="en-US" b="1" dirty="0" smtClean="0"/>
               <a:t>？</a:t>
             </a:r>
-            <a:endParaRPr lang="en-US" altLang="zh-CN" dirty="0" smtClean="0"/>
+            <a:endParaRPr lang="en-US" altLang="zh-CN" b="1" dirty="0" smtClean="0"/>
           </a:p>
           <a:p>
             <a:pPr marL="571500" indent="-571500">
@@ -26089,18 +26459,18 @@
               <a:buAutoNum type="ea1JpnChsDbPeriod"/>
             </a:pPr>
             <a:r>
-              <a:rPr lang="en-US" altLang="zh-CN" dirty="0" smtClean="0"/>
+              <a:rPr lang="en-US" altLang="zh-CN" b="1" dirty="0" smtClean="0"/>
               <a:t>Spark</a:t>
             </a:r>
             <a:r>
-              <a:rPr lang="zh-CN" altLang="en-US" dirty="0"/>
+              <a:rPr lang="zh-CN" altLang="en-US" b="1" dirty="0"/>
               <a:t>能做什么</a:t>
             </a:r>
             <a:r>
-              <a:rPr lang="zh-CN" altLang="en-US" dirty="0" smtClean="0"/>
+              <a:rPr lang="zh-CN" altLang="en-US" b="1" dirty="0" smtClean="0"/>
               <a:t>？</a:t>
             </a:r>
-            <a:endParaRPr lang="en-US" altLang="zh-CN" dirty="0" smtClean="0"/>
+            <a:endParaRPr lang="en-US" altLang="zh-CN" b="1" dirty="0" smtClean="0"/>
           </a:p>
           <a:p>
             <a:pPr marL="571500" indent="-571500">
